--- a/Slides/Module 6 - Routing.pptx
+++ b/Slides/Module 6 - Routing.pptx
@@ -2570,23 +2570,23 @@
     </dgm:pt>
   </dgm:ptLst>
   <dgm:cxnLst>
-    <dgm:cxn modelId="{44540FB9-9105-4FB6-AD68-4BEC93D1013C}" type="presOf" srcId="{90922D1B-DBD8-4D9E-B67E-B598830D5F47}" destId="{6B068343-8AEE-4D1A-BB98-49539ECB81C6}" srcOrd="0" destOrd="0" presId="urn:microsoft.com/office/officeart/2005/8/layout/vList5"/>
-    <dgm:cxn modelId="{7AA3C868-F989-4609-8959-13FB0DB0ECA7}" type="presOf" srcId="{918E5147-95D9-4A10-A481-3DD7B72ACD27}" destId="{5D864B8D-FACF-48E7-8326-E483DE976D5A}" srcOrd="0" destOrd="0" presId="urn:microsoft.com/office/officeart/2005/8/layout/vList5"/>
+    <dgm:cxn modelId="{83DCBB00-7B27-4582-95DA-E0493F4EA896}" srcId="{543C4D73-2BD9-4FD3-B225-BA927636A30E}" destId="{918E5147-95D9-4A10-A481-3DD7B72ACD27}" srcOrd="0" destOrd="0" parTransId="{0FADB9FF-E2C5-4236-8645-1FC0C8202671}" sibTransId="{10E0F58B-C1E3-4F9D-9352-03EE3526194B}"/>
+    <dgm:cxn modelId="{2ACD6308-FF8A-4B5C-9D9A-FB69C4D23842}" type="presOf" srcId="{CC50D243-2C53-433D-83B5-11E46DF35305}" destId="{008FD7B1-49B2-4BA3-B80E-C5B2EAD406EA}" srcOrd="0" destOrd="0" presId="urn:microsoft.com/office/officeart/2005/8/layout/vList5"/>
     <dgm:cxn modelId="{DE4B7613-D93E-426B-9F40-B3DB226A8715}" srcId="{CC50D243-2C53-433D-83B5-11E46DF35305}" destId="{9276FFF9-D79C-40AF-8922-4549E158446F}" srcOrd="3" destOrd="0" parTransId="{DD012C86-1E50-468B-9C59-345B52212D7B}" sibTransId="{A4852E42-E2A8-47A5-8214-FF6A5F6842E4}"/>
     <dgm:cxn modelId="{1B60C626-9B0A-40DE-A8C9-36E08233BFB9}" type="presOf" srcId="{9276FFF9-D79C-40AF-8922-4549E158446F}" destId="{5EB87B31-1029-4A1F-9C0A-AFFB28CA0F5E}" srcOrd="0" destOrd="0" presId="urn:microsoft.com/office/officeart/2005/8/layout/vList5"/>
+    <dgm:cxn modelId="{3A171560-A2C1-4291-9197-561221D49822}" type="presOf" srcId="{543C4D73-2BD9-4FD3-B225-BA927636A30E}" destId="{839A0C55-6F4F-487B-ABCB-7E5C2EC4A22A}" srcOrd="0" destOrd="0" presId="urn:microsoft.com/office/officeart/2005/8/layout/vList5"/>
+    <dgm:cxn modelId="{4F745B43-7357-4769-B38E-D1A5714AA2D5}" srcId="{CC50D243-2C53-433D-83B5-11E46DF35305}" destId="{543C4D73-2BD9-4FD3-B225-BA927636A30E}" srcOrd="2" destOrd="0" parTransId="{E47569A2-16AA-4A1C-9D7E-B3E3CF00892E}" sibTransId="{5A7BC45B-A5C9-443C-B2F8-8D3AD5A77B12}"/>
+    <dgm:cxn modelId="{7AA3C868-F989-4609-8959-13FB0DB0ECA7}" type="presOf" srcId="{918E5147-95D9-4A10-A481-3DD7B72ACD27}" destId="{5D864B8D-FACF-48E7-8326-E483DE976D5A}" srcOrd="0" destOrd="0" presId="urn:microsoft.com/office/officeart/2005/8/layout/vList5"/>
+    <dgm:cxn modelId="{5BEB166A-9021-4D37-BAC4-DE238FE58F3F}" srcId="{9276FFF9-D79C-40AF-8922-4549E158446F}" destId="{90922D1B-DBD8-4D9E-B67E-B598830D5F47}" srcOrd="0" destOrd="0" parTransId="{343B2824-7FE3-4635-8B66-BAEEF26802E9}" sibTransId="{F37E840D-9ECE-47E0-ADDD-D3DB4CC158ED}"/>
+    <dgm:cxn modelId="{BAD84A87-F4C2-400B-B9A9-42103B390805}" type="presOf" srcId="{91C62179-2964-4056-BEC8-6F947A0A7F38}" destId="{CC005D75-9949-46F5-816A-84FDF35D1A84}" srcOrd="0" destOrd="0" presId="urn:microsoft.com/office/officeart/2005/8/layout/vList5"/>
     <dgm:cxn modelId="{666C3790-A048-49F6-B1C3-ED40DDCB1D88}" srcId="{48D294A6-4B7E-4C0F-98AE-E649F44D7A31}" destId="{91C62179-2964-4056-BEC8-6F947A0A7F38}" srcOrd="0" destOrd="0" parTransId="{E98A37BF-268E-4B86-906A-EBFFBB7F84CB}" sibTransId="{E400CB7B-D2AA-4F1B-A73A-C77EF5640614}"/>
-    <dgm:cxn modelId="{4F745B43-7357-4769-B38E-D1A5714AA2D5}" srcId="{CC50D243-2C53-433D-83B5-11E46DF35305}" destId="{543C4D73-2BD9-4FD3-B225-BA927636A30E}" srcOrd="2" destOrd="0" parTransId="{E47569A2-16AA-4A1C-9D7E-B3E3CF00892E}" sibTransId="{5A7BC45B-A5C9-443C-B2F8-8D3AD5A77B12}"/>
+    <dgm:cxn modelId="{8DE485A4-C212-4B99-A66D-92530066D0ED}" type="presOf" srcId="{5D54E867-2EE5-4E6E-ADF3-70FD46C29A9E}" destId="{97A5505E-23ED-47A6-8FD4-A49DECDD05D3}" srcOrd="0" destOrd="0" presId="urn:microsoft.com/office/officeart/2005/8/layout/vList5"/>
+    <dgm:cxn modelId="{44540FB9-9105-4FB6-AD68-4BEC93D1013C}" type="presOf" srcId="{90922D1B-DBD8-4D9E-B67E-B598830D5F47}" destId="{6B068343-8AEE-4D1A-BB98-49539ECB81C6}" srcOrd="0" destOrd="0" presId="urn:microsoft.com/office/officeart/2005/8/layout/vList5"/>
+    <dgm:cxn modelId="{69F5C2B9-3905-49CA-A21D-9682CD76C7B3}" type="presOf" srcId="{28F8D379-8B78-4F75-9B33-605DB1D0BA3E}" destId="{11908AA2-17DB-48BB-B152-062C361AC5C4}" srcOrd="0" destOrd="0" presId="urn:microsoft.com/office/officeart/2005/8/layout/vList5"/>
+    <dgm:cxn modelId="{4753D5B9-39F6-441D-84AF-B5EE76FD1A6E}" srcId="{28F8D379-8B78-4F75-9B33-605DB1D0BA3E}" destId="{5D54E867-2EE5-4E6E-ADF3-70FD46C29A9E}" srcOrd="0" destOrd="0" parTransId="{434BEC62-34DF-436A-A268-E80CDC1A6181}" sibTransId="{F7350657-FB02-42D2-BC7F-7337ACD37322}"/>
     <dgm:cxn modelId="{CFEF53BF-ABAA-49DC-8CFD-90763E14B18F}" srcId="{CC50D243-2C53-433D-83B5-11E46DF35305}" destId="{28F8D379-8B78-4F75-9B33-605DB1D0BA3E}" srcOrd="0" destOrd="0" parTransId="{0AE93605-1E15-4195-B27A-345D384EB455}" sibTransId="{35CB1AC4-DF49-4279-9C96-729819D1C9C3}"/>
-    <dgm:cxn modelId="{8DE485A4-C212-4B99-A66D-92530066D0ED}" type="presOf" srcId="{5D54E867-2EE5-4E6E-ADF3-70FD46C29A9E}" destId="{97A5505E-23ED-47A6-8FD4-A49DECDD05D3}" srcOrd="0" destOrd="0" presId="urn:microsoft.com/office/officeart/2005/8/layout/vList5"/>
-    <dgm:cxn modelId="{4753D5B9-39F6-441D-84AF-B5EE76FD1A6E}" srcId="{28F8D379-8B78-4F75-9B33-605DB1D0BA3E}" destId="{5D54E867-2EE5-4E6E-ADF3-70FD46C29A9E}" srcOrd="0" destOrd="0" parTransId="{434BEC62-34DF-436A-A268-E80CDC1A6181}" sibTransId="{F7350657-FB02-42D2-BC7F-7337ACD37322}"/>
+    <dgm:cxn modelId="{D78621CC-BB30-414E-9D5D-CC5E9C02B5A9}" type="presOf" srcId="{48D294A6-4B7E-4C0F-98AE-E649F44D7A31}" destId="{B2E8BDA2-7497-48D7-82A9-BA15BF6459D6}" srcOrd="0" destOrd="0" presId="urn:microsoft.com/office/officeart/2005/8/layout/vList5"/>
     <dgm:cxn modelId="{191A25D5-0D16-4EF2-85C7-3ACDBFE2D48B}" srcId="{CC50D243-2C53-433D-83B5-11E46DF35305}" destId="{48D294A6-4B7E-4C0F-98AE-E649F44D7A31}" srcOrd="1" destOrd="0" parTransId="{74C74D6C-619B-489D-9C64-CF9B02E11778}" sibTransId="{94E2B152-3463-4111-8929-7D5836B03086}"/>
-    <dgm:cxn modelId="{83DCBB00-7B27-4582-95DA-E0493F4EA896}" srcId="{543C4D73-2BD9-4FD3-B225-BA927636A30E}" destId="{918E5147-95D9-4A10-A481-3DD7B72ACD27}" srcOrd="0" destOrd="0" parTransId="{0FADB9FF-E2C5-4236-8645-1FC0C8202671}" sibTransId="{10E0F58B-C1E3-4F9D-9352-03EE3526194B}"/>
-    <dgm:cxn modelId="{3A171560-A2C1-4291-9197-561221D49822}" type="presOf" srcId="{543C4D73-2BD9-4FD3-B225-BA927636A30E}" destId="{839A0C55-6F4F-487B-ABCB-7E5C2EC4A22A}" srcOrd="0" destOrd="0" presId="urn:microsoft.com/office/officeart/2005/8/layout/vList5"/>
-    <dgm:cxn modelId="{BAD84A87-F4C2-400B-B9A9-42103B390805}" type="presOf" srcId="{91C62179-2964-4056-BEC8-6F947A0A7F38}" destId="{CC005D75-9949-46F5-816A-84FDF35D1A84}" srcOrd="0" destOrd="0" presId="urn:microsoft.com/office/officeart/2005/8/layout/vList5"/>
-    <dgm:cxn modelId="{5BEB166A-9021-4D37-BAC4-DE238FE58F3F}" srcId="{9276FFF9-D79C-40AF-8922-4549E158446F}" destId="{90922D1B-DBD8-4D9E-B67E-B598830D5F47}" srcOrd="0" destOrd="0" parTransId="{343B2824-7FE3-4635-8B66-BAEEF26802E9}" sibTransId="{F37E840D-9ECE-47E0-ADDD-D3DB4CC158ED}"/>
-    <dgm:cxn modelId="{69F5C2B9-3905-49CA-A21D-9682CD76C7B3}" type="presOf" srcId="{28F8D379-8B78-4F75-9B33-605DB1D0BA3E}" destId="{11908AA2-17DB-48BB-B152-062C361AC5C4}" srcOrd="0" destOrd="0" presId="urn:microsoft.com/office/officeart/2005/8/layout/vList5"/>
-    <dgm:cxn modelId="{D78621CC-BB30-414E-9D5D-CC5E9C02B5A9}" type="presOf" srcId="{48D294A6-4B7E-4C0F-98AE-E649F44D7A31}" destId="{B2E8BDA2-7497-48D7-82A9-BA15BF6459D6}" srcOrd="0" destOrd="0" presId="urn:microsoft.com/office/officeart/2005/8/layout/vList5"/>
-    <dgm:cxn modelId="{2ACD6308-FF8A-4B5C-9D9A-FB69C4D23842}" type="presOf" srcId="{CC50D243-2C53-433D-83B5-11E46DF35305}" destId="{008FD7B1-49B2-4BA3-B80E-C5B2EAD406EA}" srcOrd="0" destOrd="0" presId="urn:microsoft.com/office/officeart/2005/8/layout/vList5"/>
     <dgm:cxn modelId="{E657E533-70D1-4D48-8120-A6C2D198565F}" type="presParOf" srcId="{008FD7B1-49B2-4BA3-B80E-C5B2EAD406EA}" destId="{3F7F0EEE-74DE-4FFF-ADD7-A426C33A7C48}" srcOrd="0" destOrd="0" presId="urn:microsoft.com/office/officeart/2005/8/layout/vList5"/>
     <dgm:cxn modelId="{D5ADA89C-0BFD-4A0A-A679-F2ABBBA24D3B}" type="presParOf" srcId="{3F7F0EEE-74DE-4FFF-ADD7-A426C33A7C48}" destId="{11908AA2-17DB-48BB-B152-062C361AC5C4}" srcOrd="0" destOrd="0" presId="urn:microsoft.com/office/officeart/2005/8/layout/vList5"/>
     <dgm:cxn modelId="{104D307B-767D-4228-8969-863918D68B68}" type="presParOf" srcId="{3F7F0EEE-74DE-4FFF-ADD7-A426C33A7C48}" destId="{97A5505E-23ED-47A6-8FD4-A49DECDD05D3}" srcOrd="1" destOrd="0" presId="urn:microsoft.com/office/officeart/2005/8/layout/vList5"/>
@@ -3038,19 +3038,19 @@
     </dgm:pt>
   </dgm:ptLst>
   <dgm:cxnLst>
-    <dgm:cxn modelId="{191A25D5-0D16-4EF2-85C7-3ACDBFE2D48B}" srcId="{CC50D243-2C53-433D-83B5-11E46DF35305}" destId="{48D294A6-4B7E-4C0F-98AE-E649F44D7A31}" srcOrd="1" destOrd="0" parTransId="{74C74D6C-619B-489D-9C64-CF9B02E11778}" sibTransId="{94E2B152-3463-4111-8929-7D5836B03086}"/>
-    <dgm:cxn modelId="{126017CA-6DA2-4D80-B768-83B8EAAB380C}" type="presOf" srcId="{543C4D73-2BD9-4FD3-B225-BA927636A30E}" destId="{839A0C55-6F4F-487B-ABCB-7E5C2EC4A22A}" srcOrd="0" destOrd="0" presId="urn:microsoft.com/office/officeart/2005/8/layout/vList5"/>
-    <dgm:cxn modelId="{CFEF53BF-ABAA-49DC-8CFD-90763E14B18F}" srcId="{CC50D243-2C53-433D-83B5-11E46DF35305}" destId="{28F8D379-8B78-4F75-9B33-605DB1D0BA3E}" srcOrd="0" destOrd="0" parTransId="{0AE93605-1E15-4195-B27A-345D384EB455}" sibTransId="{35CB1AC4-DF49-4279-9C96-729819D1C9C3}"/>
     <dgm:cxn modelId="{83DCBB00-7B27-4582-95DA-E0493F4EA896}" srcId="{543C4D73-2BD9-4FD3-B225-BA927636A30E}" destId="{918E5147-95D9-4A10-A481-3DD7B72ACD27}" srcOrd="0" destOrd="0" parTransId="{0FADB9FF-E2C5-4236-8645-1FC0C8202671}" sibTransId="{10E0F58B-C1E3-4F9D-9352-03EE3526194B}"/>
     <dgm:cxn modelId="{4F745B43-7357-4769-B38E-D1A5714AA2D5}" srcId="{CC50D243-2C53-433D-83B5-11E46DF35305}" destId="{543C4D73-2BD9-4FD3-B225-BA927636A30E}" srcOrd="2" destOrd="0" parTransId="{E47569A2-16AA-4A1C-9D7E-B3E3CF00892E}" sibTransId="{5A7BC45B-A5C9-443C-B2F8-8D3AD5A77B12}"/>
+    <dgm:cxn modelId="{B179BF63-E94B-47BD-948F-4BC78497E508}" type="presOf" srcId="{48D294A6-4B7E-4C0F-98AE-E649F44D7A31}" destId="{B2E8BDA2-7497-48D7-82A9-BA15BF6459D6}" srcOrd="0" destOrd="0" presId="urn:microsoft.com/office/officeart/2005/8/layout/vList5"/>
+    <dgm:cxn modelId="{46ADB289-E3B4-4135-B98E-286B866D71A9}" type="presOf" srcId="{28F8D379-8B78-4F75-9B33-605DB1D0BA3E}" destId="{11908AA2-17DB-48BB-B152-062C361AC5C4}" srcOrd="0" destOrd="0" presId="urn:microsoft.com/office/officeart/2005/8/layout/vList5"/>
+    <dgm:cxn modelId="{666C3790-A048-49F6-B1C3-ED40DDCB1D88}" srcId="{48D294A6-4B7E-4C0F-98AE-E649F44D7A31}" destId="{91C62179-2964-4056-BEC8-6F947A0A7F38}" srcOrd="0" destOrd="0" parTransId="{E98A37BF-268E-4B86-906A-EBFFBB7F84CB}" sibTransId="{E400CB7B-D2AA-4F1B-A73A-C77EF5640614}"/>
     <dgm:cxn modelId="{6BAD1693-9A03-4F33-8013-D476D5F25DA6}" type="presOf" srcId="{CC50D243-2C53-433D-83B5-11E46DF35305}" destId="{008FD7B1-49B2-4BA3-B80E-C5B2EAD406EA}" srcOrd="0" destOrd="0" presId="urn:microsoft.com/office/officeart/2005/8/layout/vList5"/>
-    <dgm:cxn modelId="{F5B78AC4-C330-43A3-9D4B-068597BF8385}" type="presOf" srcId="{918E5147-95D9-4A10-A481-3DD7B72ACD27}" destId="{5D864B8D-FACF-48E7-8326-E483DE976D5A}" srcOrd="0" destOrd="0" presId="urn:microsoft.com/office/officeart/2005/8/layout/vList5"/>
     <dgm:cxn modelId="{07DBE894-E09C-4B0A-8309-DE800CBE18D0}" type="presOf" srcId="{91C62179-2964-4056-BEC8-6F947A0A7F38}" destId="{CC005D75-9949-46F5-816A-84FDF35D1A84}" srcOrd="0" destOrd="0" presId="urn:microsoft.com/office/officeart/2005/8/layout/vList5"/>
-    <dgm:cxn modelId="{B179BF63-E94B-47BD-948F-4BC78497E508}" type="presOf" srcId="{48D294A6-4B7E-4C0F-98AE-E649F44D7A31}" destId="{B2E8BDA2-7497-48D7-82A9-BA15BF6459D6}" srcOrd="0" destOrd="0" presId="urn:microsoft.com/office/officeart/2005/8/layout/vList5"/>
-    <dgm:cxn modelId="{666C3790-A048-49F6-B1C3-ED40DDCB1D88}" srcId="{48D294A6-4B7E-4C0F-98AE-E649F44D7A31}" destId="{91C62179-2964-4056-BEC8-6F947A0A7F38}" srcOrd="0" destOrd="0" parTransId="{E98A37BF-268E-4B86-906A-EBFFBB7F84CB}" sibTransId="{E400CB7B-D2AA-4F1B-A73A-C77EF5640614}"/>
     <dgm:cxn modelId="{6836F79F-C2E7-4061-A322-D643E9F10FF3}" type="presOf" srcId="{5D54E867-2EE5-4E6E-ADF3-70FD46C29A9E}" destId="{97A5505E-23ED-47A6-8FD4-A49DECDD05D3}" srcOrd="0" destOrd="0" presId="urn:microsoft.com/office/officeart/2005/8/layout/vList5"/>
     <dgm:cxn modelId="{4753D5B9-39F6-441D-84AF-B5EE76FD1A6E}" srcId="{28F8D379-8B78-4F75-9B33-605DB1D0BA3E}" destId="{5D54E867-2EE5-4E6E-ADF3-70FD46C29A9E}" srcOrd="0" destOrd="0" parTransId="{434BEC62-34DF-436A-A268-E80CDC1A6181}" sibTransId="{F7350657-FB02-42D2-BC7F-7337ACD37322}"/>
-    <dgm:cxn modelId="{46ADB289-E3B4-4135-B98E-286B866D71A9}" type="presOf" srcId="{28F8D379-8B78-4F75-9B33-605DB1D0BA3E}" destId="{11908AA2-17DB-48BB-B152-062C361AC5C4}" srcOrd="0" destOrd="0" presId="urn:microsoft.com/office/officeart/2005/8/layout/vList5"/>
+    <dgm:cxn modelId="{CFEF53BF-ABAA-49DC-8CFD-90763E14B18F}" srcId="{CC50D243-2C53-433D-83B5-11E46DF35305}" destId="{28F8D379-8B78-4F75-9B33-605DB1D0BA3E}" srcOrd="0" destOrd="0" parTransId="{0AE93605-1E15-4195-B27A-345D384EB455}" sibTransId="{35CB1AC4-DF49-4279-9C96-729819D1C9C3}"/>
+    <dgm:cxn modelId="{F5B78AC4-C330-43A3-9D4B-068597BF8385}" type="presOf" srcId="{918E5147-95D9-4A10-A481-3DD7B72ACD27}" destId="{5D864B8D-FACF-48E7-8326-E483DE976D5A}" srcOrd="0" destOrd="0" presId="urn:microsoft.com/office/officeart/2005/8/layout/vList5"/>
+    <dgm:cxn modelId="{126017CA-6DA2-4D80-B768-83B8EAAB380C}" type="presOf" srcId="{543C4D73-2BD9-4FD3-B225-BA927636A30E}" destId="{839A0C55-6F4F-487B-ABCB-7E5C2EC4A22A}" srcOrd="0" destOrd="0" presId="urn:microsoft.com/office/officeart/2005/8/layout/vList5"/>
+    <dgm:cxn modelId="{191A25D5-0D16-4EF2-85C7-3ACDBFE2D48B}" srcId="{CC50D243-2C53-433D-83B5-11E46DF35305}" destId="{48D294A6-4B7E-4C0F-98AE-E649F44D7A31}" srcOrd="1" destOrd="0" parTransId="{74C74D6C-619B-489D-9C64-CF9B02E11778}" sibTransId="{94E2B152-3463-4111-8929-7D5836B03086}"/>
     <dgm:cxn modelId="{F9288A3F-9CDB-46F3-A8EA-DF1B5913961B}" type="presParOf" srcId="{008FD7B1-49B2-4BA3-B80E-C5B2EAD406EA}" destId="{3F7F0EEE-74DE-4FFF-ADD7-A426C33A7C48}" srcOrd="0" destOrd="0" presId="urn:microsoft.com/office/officeart/2005/8/layout/vList5"/>
     <dgm:cxn modelId="{48A2DE9C-537A-4611-A275-2B4270CB716A}" type="presParOf" srcId="{3F7F0EEE-74DE-4FFF-ADD7-A426C33A7C48}" destId="{11908AA2-17DB-48BB-B152-062C361AC5C4}" srcOrd="0" destOrd="0" presId="urn:microsoft.com/office/officeart/2005/8/layout/vList5"/>
     <dgm:cxn modelId="{9E9D21E6-BBC8-45E1-858F-9397EEB78CC6}" type="presParOf" srcId="{3F7F0EEE-74DE-4FFF-ADD7-A426C33A7C48}" destId="{97A5505E-23ED-47A6-8FD4-A49DECDD05D3}" srcOrd="1" destOrd="0" presId="urn:microsoft.com/office/officeart/2005/8/layout/vList5"/>
@@ -3238,7 +3238,6 @@
           <a:camera prst="orthographicFront"/>
           <a:lightRig rig="flat" dir="t"/>
         </a:scene3d>
-        <a:sp3d/>
       </dsp:spPr>
       <dsp:style>
         <a:lnRef idx="1">
@@ -3440,7 +3439,6 @@
           <a:camera prst="orthographicFront"/>
           <a:lightRig rig="flat" dir="t"/>
         </a:scene3d>
-        <a:sp3d/>
       </dsp:spPr>
       <dsp:style>
         <a:lnRef idx="1">
@@ -3650,7 +3648,6 @@
           <a:camera prst="orthographicFront"/>
           <a:lightRig rig="flat" dir="t"/>
         </a:scene3d>
-        <a:sp3d/>
       </dsp:spPr>
       <dsp:style>
         <a:lnRef idx="1">
@@ -3857,7 +3854,6 @@
           <a:camera prst="orthographicFront"/>
           <a:lightRig rig="flat" dir="t"/>
         </a:scene3d>
-        <a:sp3d/>
       </dsp:spPr>
       <dsp:style>
         <a:lnRef idx="1">
@@ -4079,7 +4075,6 @@
           <a:camera prst="orthographicFront"/>
           <a:lightRig rig="flat" dir="t"/>
         </a:scene3d>
-        <a:sp3d/>
       </dsp:spPr>
       <dsp:style>
         <a:lnRef idx="1">
@@ -4289,7 +4284,6 @@
           <a:camera prst="orthographicFront"/>
           <a:lightRig rig="flat" dir="t"/>
         </a:scene3d>
-        <a:sp3d/>
       </dsp:spPr>
       <dsp:style>
         <a:lnRef idx="1">
@@ -4491,7 +4485,6 @@
           <a:camera prst="orthographicFront"/>
           <a:lightRig rig="flat" dir="t"/>
         </a:scene3d>
-        <a:sp3d/>
       </dsp:spPr>
       <dsp:style>
         <a:lnRef idx="1">
@@ -7366,7 +7359,7 @@
               <a:pPr>
                 <a:defRPr/>
               </a:pPr>
-              <a:t>16 December 2016</a:t>
+              <a:t>09 December 2018</a:t>
             </a:fld>
             <a:endParaRPr lang="de-DE"/>
           </a:p>
@@ -7678,7 +7671,7 @@
               <a:pPr>
                 <a:defRPr/>
               </a:pPr>
-              <a:t>16. Dezember 2016</a:t>
+              <a:t>9. Dezember 2018</a:t>
             </a:fld>
             <a:r>
               <a:rPr lang="de-DE"/>
@@ -7996,7 +7989,7 @@
               <a:pPr>
                 <a:defRPr/>
               </a:pPr>
-              <a:t>16. Dezember 2016</a:t>
+              <a:t>9. Dezember 2018</a:t>
             </a:fld>
             <a:r>
               <a:rPr lang="de-DE"/>
@@ -8189,7 +8182,7 @@
               <a:pPr>
                 <a:defRPr/>
               </a:pPr>
-              <a:t>16. Dezember 2016</a:t>
+              <a:t>9. Dezember 2018</a:t>
             </a:fld>
             <a:r>
               <a:rPr lang="de-DE"/>
@@ -8406,7 +8399,7 @@
               <a:pPr>
                 <a:defRPr/>
               </a:pPr>
-              <a:t>16. Dezember 2016</a:t>
+              <a:t>9. Dezember 2018</a:t>
             </a:fld>
             <a:r>
               <a:rPr lang="de-DE"/>
@@ -8528,7 +8521,7 @@
               <a:pPr>
                 <a:defRPr/>
               </a:pPr>
-              <a:t>16. Dezember 2016</a:t>
+              <a:t>9. Dezember 2018</a:t>
             </a:fld>
             <a:r>
               <a:rPr lang="de-DE"/>
@@ -8842,7 +8835,7 @@
               <a:pPr>
                 <a:defRPr/>
               </a:pPr>
-              <a:t>16. Dezember 2016</a:t>
+              <a:t>9. Dezember 2018</a:t>
             </a:fld>
             <a:r>
               <a:rPr lang="de-DE"/>
@@ -8964,7 +8957,7 @@
               <a:pPr>
                 <a:defRPr/>
               </a:pPr>
-              <a:t>16. Dezember 2016</a:t>
+              <a:t>9. Dezember 2018</a:t>
             </a:fld>
             <a:r>
               <a:rPr lang="de-DE"/>
@@ -9212,7 +9205,7 @@
               <a:pPr>
                 <a:defRPr/>
               </a:pPr>
-              <a:t>16. Dezember 2016</a:t>
+              <a:t>9. Dezember 2018</a:t>
             </a:fld>
             <a:r>
               <a:rPr lang="de-DE"/>
@@ -9336,7 +9329,7 @@
               <a:pPr>
                 <a:defRPr/>
               </a:pPr>
-              <a:t>16. Dezember 2016</a:t>
+              <a:t>9. Dezember 2018</a:t>
             </a:fld>
             <a:r>
               <a:rPr lang="de-DE"/>
@@ -9516,7 +9509,7 @@
           <a:p>
             <a:fld id="{9006E132-D9FA-4DA9-BFA1-F907AC5B7515}" type="datetimeFigureOut">
               <a:rPr lang="en-US" smtClean="0"/>
-              <a:t>12/16/2016</a:t>
+              <a:t>12/9/2018</a:t>
             </a:fld>
             <a:endParaRPr lang="en-US"/>
           </a:p>
@@ -9684,7 +9677,7 @@
           <a:p>
             <a:fld id="{9006E132-D9FA-4DA9-BFA1-F907AC5B7515}" type="datetimeFigureOut">
               <a:rPr lang="en-US" smtClean="0"/>
-              <a:t>12/16/2016</a:t>
+              <a:t>12/9/2018</a:t>
             </a:fld>
             <a:endParaRPr lang="en-US"/>
           </a:p>
@@ -9862,7 +9855,7 @@
           <a:p>
             <a:fld id="{9006E132-D9FA-4DA9-BFA1-F907AC5B7515}" type="datetimeFigureOut">
               <a:rPr lang="en-US" smtClean="0"/>
-              <a:t>12/16/2016</a:t>
+              <a:t>12/9/2018</a:t>
             </a:fld>
             <a:endParaRPr lang="en-US"/>
           </a:p>
@@ -11306,7 +11299,7 @@
           <a:p>
             <a:fld id="{9006E132-D9FA-4DA9-BFA1-F907AC5B7515}" type="datetimeFigureOut">
               <a:rPr lang="en-US" smtClean="0"/>
-              <a:t>12/16/2016</a:t>
+              <a:t>12/9/2018</a:t>
             </a:fld>
             <a:endParaRPr lang="en-US"/>
           </a:p>
@@ -12607,7 +12600,7 @@
           <a:p>
             <a:fld id="{9006E132-D9FA-4DA9-BFA1-F907AC5B7515}" type="datetimeFigureOut">
               <a:rPr lang="en-US" smtClean="0"/>
-              <a:t>12/16/2016</a:t>
+              <a:t>12/9/2018</a:t>
             </a:fld>
             <a:endParaRPr lang="en-US"/>
           </a:p>
@@ -12836,7 +12829,7 @@
           <a:p>
             <a:fld id="{9006E132-D9FA-4DA9-BFA1-F907AC5B7515}" type="datetimeFigureOut">
               <a:rPr lang="en-US" smtClean="0"/>
-              <a:t>12/16/2016</a:t>
+              <a:t>12/9/2018</a:t>
             </a:fld>
             <a:endParaRPr lang="en-US"/>
           </a:p>
@@ -13200,7 +13193,7 @@
           <a:p>
             <a:fld id="{9006E132-D9FA-4DA9-BFA1-F907AC5B7515}" type="datetimeFigureOut">
               <a:rPr lang="en-US" smtClean="0"/>
-              <a:t>12/16/2016</a:t>
+              <a:t>12/9/2018</a:t>
             </a:fld>
             <a:endParaRPr lang="en-US"/>
           </a:p>
@@ -13317,7 +13310,7 @@
           <a:p>
             <a:fld id="{9006E132-D9FA-4DA9-BFA1-F907AC5B7515}" type="datetimeFigureOut">
               <a:rPr lang="en-US" smtClean="0"/>
-              <a:t>12/16/2016</a:t>
+              <a:t>12/9/2018</a:t>
             </a:fld>
             <a:endParaRPr lang="en-US"/>
           </a:p>
@@ -13412,7 +13405,7 @@
           <a:p>
             <a:fld id="{9006E132-D9FA-4DA9-BFA1-F907AC5B7515}" type="datetimeFigureOut">
               <a:rPr lang="en-US" smtClean="0"/>
-              <a:t>12/16/2016</a:t>
+              <a:t>12/9/2018</a:t>
             </a:fld>
             <a:endParaRPr lang="en-US"/>
           </a:p>
@@ -13687,7 +13680,7 @@
           <a:p>
             <a:fld id="{9006E132-D9FA-4DA9-BFA1-F907AC5B7515}" type="datetimeFigureOut">
               <a:rPr lang="en-US" smtClean="0"/>
-              <a:t>12/16/2016</a:t>
+              <a:t>12/9/2018</a:t>
             </a:fld>
             <a:endParaRPr lang="en-US"/>
           </a:p>
@@ -13939,7 +13932,7 @@
           <a:p>
             <a:fld id="{9006E132-D9FA-4DA9-BFA1-F907AC5B7515}" type="datetimeFigureOut">
               <a:rPr lang="en-US" smtClean="0"/>
-              <a:t>12/16/2016</a:t>
+              <a:t>12/9/2018</a:t>
             </a:fld>
             <a:endParaRPr lang="en-US"/>
           </a:p>
@@ -14150,7 +14143,7 @@
           <a:p>
             <a:fld id="{9006E132-D9FA-4DA9-BFA1-F907AC5B7515}" type="datetimeFigureOut">
               <a:rPr lang="en-US" smtClean="0"/>
-              <a:t>12/16/2016</a:t>
+              <a:t>12/9/2018</a:t>
             </a:fld>
             <a:endParaRPr lang="en-US"/>
           </a:p>
